--- a/AB_TOPs/01_Top_Projet/Top Projet.pptx
+++ b/AB_TOPs/01_Top_Projet/Top Projet.pptx
@@ -205,7 +205,7 @@
           <a:p>
             <a:fld id="{A9258FD7-AA4D-4EFB-8956-C98F2360B098}" type="datetimeFigureOut">
               <a:rPr lang="fr-FR" smtClean="0"/>
-              <a:t>24/03/2019</a:t>
+              <a:t>25/03/2019</a:t>
             </a:fld>
             <a:endParaRPr lang="fr-FR"/>
           </a:p>
@@ -619,7 +619,7 @@
           <a:p>
             <a:fld id="{854B7264-E21A-4329-A994-84F7B09D33B2}" type="datetimeFigureOut">
               <a:rPr lang="fr-FR" smtClean="0"/>
-              <a:t>24/03/2019</a:t>
+              <a:t>25/03/2019</a:t>
             </a:fld>
             <a:endParaRPr lang="fr-FR"/>
           </a:p>
@@ -817,7 +817,7 @@
           <a:p>
             <a:fld id="{854B7264-E21A-4329-A994-84F7B09D33B2}" type="datetimeFigureOut">
               <a:rPr lang="fr-FR" smtClean="0"/>
-              <a:t>24/03/2019</a:t>
+              <a:t>25/03/2019</a:t>
             </a:fld>
             <a:endParaRPr lang="fr-FR"/>
           </a:p>
@@ -1025,7 +1025,7 @@
           <a:p>
             <a:fld id="{854B7264-E21A-4329-A994-84F7B09D33B2}" type="datetimeFigureOut">
               <a:rPr lang="fr-FR" smtClean="0"/>
-              <a:t>24/03/2019</a:t>
+              <a:t>25/03/2019</a:t>
             </a:fld>
             <a:endParaRPr lang="fr-FR"/>
           </a:p>
@@ -1223,7 +1223,7 @@
           <a:p>
             <a:fld id="{854B7264-E21A-4329-A994-84F7B09D33B2}" type="datetimeFigureOut">
               <a:rPr lang="fr-FR" smtClean="0"/>
-              <a:t>24/03/2019</a:t>
+              <a:t>25/03/2019</a:t>
             </a:fld>
             <a:endParaRPr lang="fr-FR"/>
           </a:p>
@@ -1498,7 +1498,7 @@
           <a:p>
             <a:fld id="{854B7264-E21A-4329-A994-84F7B09D33B2}" type="datetimeFigureOut">
               <a:rPr lang="fr-FR" smtClean="0"/>
-              <a:t>24/03/2019</a:t>
+              <a:t>25/03/2019</a:t>
             </a:fld>
             <a:endParaRPr lang="fr-FR"/>
           </a:p>
@@ -1763,7 +1763,7 @@
           <a:p>
             <a:fld id="{854B7264-E21A-4329-A994-84F7B09D33B2}" type="datetimeFigureOut">
               <a:rPr lang="fr-FR" smtClean="0"/>
-              <a:t>24/03/2019</a:t>
+              <a:t>25/03/2019</a:t>
             </a:fld>
             <a:endParaRPr lang="fr-FR"/>
           </a:p>
@@ -2175,7 +2175,7 @@
           <a:p>
             <a:fld id="{854B7264-E21A-4329-A994-84F7B09D33B2}" type="datetimeFigureOut">
               <a:rPr lang="fr-FR" smtClean="0"/>
-              <a:t>24/03/2019</a:t>
+              <a:t>25/03/2019</a:t>
             </a:fld>
             <a:endParaRPr lang="fr-FR"/>
           </a:p>
@@ -2316,7 +2316,7 @@
           <a:p>
             <a:fld id="{854B7264-E21A-4329-A994-84F7B09D33B2}" type="datetimeFigureOut">
               <a:rPr lang="fr-FR" smtClean="0"/>
-              <a:t>24/03/2019</a:t>
+              <a:t>25/03/2019</a:t>
             </a:fld>
             <a:endParaRPr lang="fr-FR"/>
           </a:p>
@@ -2429,7 +2429,7 @@
           <a:p>
             <a:fld id="{854B7264-E21A-4329-A994-84F7B09D33B2}" type="datetimeFigureOut">
               <a:rPr lang="fr-FR" smtClean="0"/>
-              <a:t>24/03/2019</a:t>
+              <a:t>25/03/2019</a:t>
             </a:fld>
             <a:endParaRPr lang="fr-FR"/>
           </a:p>
@@ -2740,7 +2740,7 @@
           <a:p>
             <a:fld id="{854B7264-E21A-4329-A994-84F7B09D33B2}" type="datetimeFigureOut">
               <a:rPr lang="fr-FR" smtClean="0"/>
-              <a:t>24/03/2019</a:t>
+              <a:t>25/03/2019</a:t>
             </a:fld>
             <a:endParaRPr lang="fr-FR"/>
           </a:p>
@@ -3028,7 +3028,7 @@
           <a:p>
             <a:fld id="{854B7264-E21A-4329-A994-84F7B09D33B2}" type="datetimeFigureOut">
               <a:rPr lang="fr-FR" smtClean="0"/>
-              <a:t>24/03/2019</a:t>
+              <a:t>25/03/2019</a:t>
             </a:fld>
             <a:endParaRPr lang="fr-FR"/>
           </a:p>
@@ -3269,7 +3269,7 @@
           <a:p>
             <a:fld id="{854B7264-E21A-4329-A994-84F7B09D33B2}" type="datetimeFigureOut">
               <a:rPr lang="fr-FR" smtClean="0"/>
-              <a:t>24/03/2019</a:t>
+              <a:t>25/03/2019</a:t>
             </a:fld>
             <a:endParaRPr lang="fr-FR"/>
           </a:p>
@@ -16848,7 +16848,7 @@
                   </a:ext>
                 </a:extLst>
               </a:tr>
-              <a:tr h="79019">
+              <a:tr h="0">
                 <a:tc>
                   <a:txBody>
                     <a:bodyPr/>

--- a/AB_TOPs/01_Top_Projet/Top Projet.pptx
+++ b/AB_TOPs/01_Top_Projet/Top Projet.pptx
@@ -23409,7 +23409,7 @@
           <p:nvPr>
             <p:extLst>
               <p:ext uri="{D42A27DB-BD31-4B8C-83A1-F6EECF244321}">
-                <p14:modId xmlns:p14="http://schemas.microsoft.com/office/powerpoint/2010/main" val="2029110909"/>
+                <p14:modId xmlns:p14="http://schemas.microsoft.com/office/powerpoint/2010/main" val="3732621052"/>
               </p:ext>
             </p:extLst>
           </p:nvPr>
@@ -24960,15 +24960,15 @@
                     <a:p>
                       <a:pPr algn="l" rtl="0" fontAlgn="t"/>
                       <a:r>
-                        <a:rPr lang="fr-FR" sz="1400" u="none" strike="noStrike">
+                        <a:rPr lang="fr-FR" sz="1400" u="none" strike="noStrike" dirty="0">
                           <a:solidFill>
                             <a:schemeClr val="tx1"/>
                           </a:solidFill>
                           <a:effectLst/>
                         </a:rPr>
-                        <a:t>Faire réaliser des contres devis pour évaluer si une surfacturation a effectivement lieu. </a:t>
+                        <a:t>Faire réaliser des contres devis pour évaluer si une surfacturation a effectivement lieu</a:t>
                       </a:r>
-                      <a:endParaRPr lang="fr-FR" sz="1400" b="0" i="0" u="none" strike="noStrike">
+                      <a:endParaRPr lang="fr-FR" sz="1400" b="0" i="0" u="none" strike="noStrike" dirty="0">
                         <a:solidFill>
                           <a:schemeClr val="tx1"/>
                         </a:solidFill>

--- a/AB_TOPs/01_Top_Projet/Top Projet.pptx
+++ b/AB_TOPs/01_Top_Projet/Top Projet.pptx
@@ -1808,7 +1808,7 @@
         <a:p>
           <a:r>
             <a:rPr lang="fr-FR" sz="1400" dirty="0"/>
-            <a:t>1 mai 2019</a:t>
+            <a:t>2 mai 2019</a:t>
           </a:r>
         </a:p>
       </dgm:t>
@@ -1897,7 +1897,7 @@
         <a:p>
           <a:r>
             <a:rPr lang="fr-FR" sz="1400" dirty="0"/>
-            <a:t>19 juin 2019</a:t>
+            <a:t>27 juin 2019</a:t>
           </a:r>
         </a:p>
       </dgm:t>
@@ -3090,7 +3090,7 @@
           </a:pPr>
           <a:r>
             <a:rPr lang="fr-FR" sz="1400" kern="1200" dirty="0"/>
-            <a:t>1 mai 2019</a:t>
+            <a:t>2 mai 2019</a:t>
           </a:r>
         </a:p>
       </dsp:txBody>
@@ -3347,7 +3347,7 @@
           </a:pPr>
           <a:r>
             <a:rPr lang="fr-FR" sz="1400" kern="1200" dirty="0"/>
-            <a:t>19 juin 2019</a:t>
+            <a:t>27 juin 2019</a:t>
           </a:r>
         </a:p>
       </dsp:txBody>
@@ -7555,7 +7555,7 @@
           <a:p>
             <a:fld id="{A9258FD7-AA4D-4EFB-8956-C98F2360B098}" type="datetimeFigureOut">
               <a:rPr lang="fr-FR" smtClean="0"/>
-              <a:t>27/03/2019</a:t>
+              <a:t>03/05/2019</a:t>
             </a:fld>
             <a:endParaRPr lang="fr-FR"/>
           </a:p>
@@ -7969,7 +7969,7 @@
           <a:p>
             <a:fld id="{854B7264-E21A-4329-A994-84F7B09D33B2}" type="datetimeFigureOut">
               <a:rPr lang="fr-FR" smtClean="0"/>
-              <a:t>27/03/2019</a:t>
+              <a:t>03/05/2019</a:t>
             </a:fld>
             <a:endParaRPr lang="fr-FR"/>
           </a:p>
@@ -8167,7 +8167,7 @@
           <a:p>
             <a:fld id="{854B7264-E21A-4329-A994-84F7B09D33B2}" type="datetimeFigureOut">
               <a:rPr lang="fr-FR" smtClean="0"/>
-              <a:t>27/03/2019</a:t>
+              <a:t>03/05/2019</a:t>
             </a:fld>
             <a:endParaRPr lang="fr-FR"/>
           </a:p>
@@ -8375,7 +8375,7 @@
           <a:p>
             <a:fld id="{854B7264-E21A-4329-A994-84F7B09D33B2}" type="datetimeFigureOut">
               <a:rPr lang="fr-FR" smtClean="0"/>
-              <a:t>27/03/2019</a:t>
+              <a:t>03/05/2019</a:t>
             </a:fld>
             <a:endParaRPr lang="fr-FR"/>
           </a:p>
@@ -8573,7 +8573,7 @@
           <a:p>
             <a:fld id="{854B7264-E21A-4329-A994-84F7B09D33B2}" type="datetimeFigureOut">
               <a:rPr lang="fr-FR" smtClean="0"/>
-              <a:t>27/03/2019</a:t>
+              <a:t>03/05/2019</a:t>
             </a:fld>
             <a:endParaRPr lang="fr-FR"/>
           </a:p>
@@ -8848,7 +8848,7 @@
           <a:p>
             <a:fld id="{854B7264-E21A-4329-A994-84F7B09D33B2}" type="datetimeFigureOut">
               <a:rPr lang="fr-FR" smtClean="0"/>
-              <a:t>27/03/2019</a:t>
+              <a:t>03/05/2019</a:t>
             </a:fld>
             <a:endParaRPr lang="fr-FR"/>
           </a:p>
@@ -9113,7 +9113,7 @@
           <a:p>
             <a:fld id="{854B7264-E21A-4329-A994-84F7B09D33B2}" type="datetimeFigureOut">
               <a:rPr lang="fr-FR" smtClean="0"/>
-              <a:t>27/03/2019</a:t>
+              <a:t>03/05/2019</a:t>
             </a:fld>
             <a:endParaRPr lang="fr-FR"/>
           </a:p>
@@ -9525,7 +9525,7 @@
           <a:p>
             <a:fld id="{854B7264-E21A-4329-A994-84F7B09D33B2}" type="datetimeFigureOut">
               <a:rPr lang="fr-FR" smtClean="0"/>
-              <a:t>27/03/2019</a:t>
+              <a:t>03/05/2019</a:t>
             </a:fld>
             <a:endParaRPr lang="fr-FR"/>
           </a:p>
@@ -9666,7 +9666,7 @@
           <a:p>
             <a:fld id="{854B7264-E21A-4329-A994-84F7B09D33B2}" type="datetimeFigureOut">
               <a:rPr lang="fr-FR" smtClean="0"/>
-              <a:t>27/03/2019</a:t>
+              <a:t>03/05/2019</a:t>
             </a:fld>
             <a:endParaRPr lang="fr-FR"/>
           </a:p>
@@ -9779,7 +9779,7 @@
           <a:p>
             <a:fld id="{854B7264-E21A-4329-A994-84F7B09D33B2}" type="datetimeFigureOut">
               <a:rPr lang="fr-FR" smtClean="0"/>
-              <a:t>27/03/2019</a:t>
+              <a:t>03/05/2019</a:t>
             </a:fld>
             <a:endParaRPr lang="fr-FR"/>
           </a:p>
@@ -10090,7 +10090,7 @@
           <a:p>
             <a:fld id="{854B7264-E21A-4329-A994-84F7B09D33B2}" type="datetimeFigureOut">
               <a:rPr lang="fr-FR" smtClean="0"/>
-              <a:t>27/03/2019</a:t>
+              <a:t>03/05/2019</a:t>
             </a:fld>
             <a:endParaRPr lang="fr-FR"/>
           </a:p>
@@ -10378,7 +10378,7 @@
           <a:p>
             <a:fld id="{854B7264-E21A-4329-A994-84F7B09D33B2}" type="datetimeFigureOut">
               <a:rPr lang="fr-FR" smtClean="0"/>
-              <a:t>27/03/2019</a:t>
+              <a:t>03/05/2019</a:t>
             </a:fld>
             <a:endParaRPr lang="fr-FR"/>
           </a:p>
@@ -10619,7 +10619,7 @@
           <a:p>
             <a:fld id="{854B7264-E21A-4329-A994-84F7B09D33B2}" type="datetimeFigureOut">
               <a:rPr lang="fr-FR" smtClean="0"/>
-              <a:t>27/03/2019</a:t>
+              <a:t>03/05/2019</a:t>
             </a:fld>
             <a:endParaRPr lang="fr-FR"/>
           </a:p>
@@ -27031,7 +27031,7 @@
             <p:nvPr>
               <p:extLst>
                 <p:ext uri="{D42A27DB-BD31-4B8C-83A1-F6EECF244321}">
-                  <p14:modId xmlns:p14="http://schemas.microsoft.com/office/powerpoint/2010/main" val="2817235111"/>
+                  <p14:modId xmlns:p14="http://schemas.microsoft.com/office/powerpoint/2010/main" val="379167816"/>
                 </p:ext>
               </p:extLst>
             </p:nvPr>
